--- a/2018_ndt_aero/We_6_A_5_Duckhorn.pptx
+++ b/2018_ndt_aero/We_6_A_5_Duckhorn.pptx
@@ -4014,15 +4014,7 @@
             </a:r>
             <a:r>
               <a:rPr lang="en-US" dirty="0" smtClean="0"/>
-              <a:t>only for state Z00 </a:t>
-            </a:r>
-            <a:r>
-              <a:rPr lang="en-US" dirty="0" smtClean="0"/>
-              <a:t>(intact</a:t>
-            </a:r>
-            <a:r>
-              <a:rPr lang="en-US" dirty="0" smtClean="0"/>
-              <a:t>) – </a:t>
+              <a:t>only for state Z00 (intact) – </a:t>
             </a:r>
             <a:r>
               <a:rPr lang="en-US" b="1" dirty="0" smtClean="0">
@@ -4232,7 +4224,15 @@
           <a:p>
             <a:r>
               <a:rPr lang="en-US" dirty="0" smtClean="0"/>
-              <a:t>Convolutional neuronal network (</a:t>
+              <a:t>Convolutional </a:t>
+            </a:r>
+            <a:r>
+              <a:rPr lang="en-US" dirty="0" smtClean="0"/>
+              <a:t>neural </a:t>
+            </a:r>
+            <a:r>
+              <a:rPr lang="en-US" dirty="0" smtClean="0"/>
+              <a:t>network (</a:t>
             </a:r>
             <a:r>
               <a:rPr lang="en-US" b="1" dirty="0">
@@ -4268,8 +4268,16 @@
           </a:p>
           <a:p>
             <a:r>
-              <a:rPr lang="en-US" dirty="0" smtClean="0"/>
-              <a:t>Deep neuronal network (</a:t>
+              <a:rPr lang="en-US" smtClean="0"/>
+              <a:t>Deep </a:t>
+            </a:r>
+            <a:r>
+              <a:rPr lang="en-US" smtClean="0"/>
+              <a:t>neural </a:t>
+            </a:r>
+            <a:r>
+              <a:rPr lang="en-US" dirty="0" smtClean="0"/>
+              <a:t>network (</a:t>
             </a:r>
             <a:r>
               <a:rPr lang="en-US" b="1" dirty="0">
@@ -9164,15 +9172,7 @@
             <a:pPr lvl="1"/>
             <a:r>
               <a:rPr lang="en-US" dirty="0" smtClean="0"/>
-              <a:t>Use 70% of the signals of all state </a:t>
-            </a:r>
-            <a:r>
-              <a:rPr lang="en-US" dirty="0" smtClean="0"/>
-              <a:t>for training (also </a:t>
-            </a:r>
-            <a:r>
-              <a:rPr lang="en-US" dirty="0" smtClean="0"/>
-              <a:t>defect ones)</a:t>
+              <a:t>Use 70% of the signals of all state for training (also defect ones)</a:t>
             </a:r>
             <a:br>
               <a:rPr lang="en-US" dirty="0" smtClean="0"/>
